--- a/MajorProjectPPTPhase1.pptx
+++ b/MajorProjectPPTPhase1.pptx
@@ -152,10 +152,56 @@
   <pc:docChgLst>
     <pc:chgData name="nandireddy srikanthreddy" userId="66c2984d47eaaa03" providerId="LiveId" clId="{F6FC440E-21BE-4095-8ADA-9D4B84350EC4}"/>
     <pc:docChg chg="undo custSel addSld modSld">
-      <pc:chgData name="nandireddy srikanthreddy" userId="66c2984d47eaaa03" providerId="LiveId" clId="{F6FC440E-21BE-4095-8ADA-9D4B84350EC4}" dt="2023-11-01T07:21:53.339" v="300" actId="1076"/>
+      <pc:chgData name="nandireddy srikanthreddy" userId="66c2984d47eaaa03" providerId="LiveId" clId="{F6FC440E-21BE-4095-8ADA-9D4B84350EC4}" dt="2023-11-11T06:51:01.630" v="324" actId="1035"/>
       <pc:docMkLst>
         <pc:docMk/>
       </pc:docMkLst>
+      <pc:sldChg chg="modSp mod">
+        <pc:chgData name="nandireddy srikanthreddy" userId="66c2984d47eaaa03" providerId="LiveId" clId="{F6FC440E-21BE-4095-8ADA-9D4B84350EC4}" dt="2023-11-11T06:49:29.626" v="315" actId="1076"/>
+        <pc:sldMkLst>
+          <pc:docMk/>
+          <pc:sldMk cId="0" sldId="258"/>
+        </pc:sldMkLst>
+        <pc:spChg chg="mod">
+          <ac:chgData name="nandireddy srikanthreddy" userId="66c2984d47eaaa03" providerId="LiveId" clId="{F6FC440E-21BE-4095-8ADA-9D4B84350EC4}" dt="2023-11-11T06:49:29.626" v="315" actId="1076"/>
+          <ac:spMkLst>
+            <pc:docMk/>
+            <pc:sldMk cId="0" sldId="258"/>
+            <ac:spMk id="46" creationId="{00000000-0000-0000-0000-000000000000}"/>
+          </ac:spMkLst>
+        </pc:spChg>
+        <pc:spChg chg="mod">
+          <ac:chgData name="nandireddy srikanthreddy" userId="66c2984d47eaaa03" providerId="LiveId" clId="{F6FC440E-21BE-4095-8ADA-9D4B84350EC4}" dt="2023-11-11T06:49:15.479" v="314" actId="1076"/>
+          <ac:spMkLst>
+            <pc:docMk/>
+            <pc:sldMk cId="0" sldId="258"/>
+            <ac:spMk id="47" creationId="{00000000-0000-0000-0000-000000000000}"/>
+          </ac:spMkLst>
+        </pc:spChg>
+      </pc:sldChg>
+      <pc:sldChg chg="modSp mod">
+        <pc:chgData name="nandireddy srikanthreddy" userId="66c2984d47eaaa03" providerId="LiveId" clId="{F6FC440E-21BE-4095-8ADA-9D4B84350EC4}" dt="2023-11-11T06:48:24.211" v="307" actId="1076"/>
+        <pc:sldMkLst>
+          <pc:docMk/>
+          <pc:sldMk cId="0" sldId="268"/>
+        </pc:sldMkLst>
+        <pc:spChg chg="mod">
+          <ac:chgData name="nandireddy srikanthreddy" userId="66c2984d47eaaa03" providerId="LiveId" clId="{F6FC440E-21BE-4095-8ADA-9D4B84350EC4}" dt="2023-11-11T06:47:37.413" v="303" actId="1076"/>
+          <ac:spMkLst>
+            <pc:docMk/>
+            <pc:sldMk cId="0" sldId="268"/>
+            <ac:spMk id="82" creationId="{00000000-0000-0000-0000-000000000000}"/>
+          </ac:spMkLst>
+        </pc:spChg>
+        <pc:spChg chg="mod">
+          <ac:chgData name="nandireddy srikanthreddy" userId="66c2984d47eaaa03" providerId="LiveId" clId="{F6FC440E-21BE-4095-8ADA-9D4B84350EC4}" dt="2023-11-11T06:48:24.211" v="307" actId="1076"/>
+          <ac:spMkLst>
+            <pc:docMk/>
+            <pc:sldMk cId="0" sldId="268"/>
+            <ac:spMk id="83" creationId="{00000000-0000-0000-0000-000000000000}"/>
+          </ac:spMkLst>
+        </pc:spChg>
+      </pc:sldChg>
       <pc:sldChg chg="modSp mod">
         <pc:chgData name="nandireddy srikanthreddy" userId="66c2984d47eaaa03" providerId="LiveId" clId="{F6FC440E-21BE-4095-8ADA-9D4B84350EC4}" dt="2023-10-17T06:21:01.620" v="70" actId="1076"/>
         <pc:sldMkLst>
@@ -202,6 +248,29 @@
           </ac:spMkLst>
         </pc:spChg>
       </pc:sldChg>
+      <pc:sldChg chg="modSp mod">
+        <pc:chgData name="nandireddy srikanthreddy" userId="66c2984d47eaaa03" providerId="LiveId" clId="{F6FC440E-21BE-4095-8ADA-9D4B84350EC4}" dt="2023-11-11T06:48:58.906" v="312" actId="1076"/>
+        <pc:sldMkLst>
+          <pc:docMk/>
+          <pc:sldMk cId="0" sldId="375"/>
+        </pc:sldMkLst>
+        <pc:spChg chg="mod">
+          <ac:chgData name="nandireddy srikanthreddy" userId="66c2984d47eaaa03" providerId="LiveId" clId="{F6FC440E-21BE-4095-8ADA-9D4B84350EC4}" dt="2023-11-11T06:48:58.906" v="312" actId="1076"/>
+          <ac:spMkLst>
+            <pc:docMk/>
+            <pc:sldMk cId="0" sldId="375"/>
+            <ac:spMk id="82" creationId="{00000000-0000-0000-0000-000000000000}"/>
+          </ac:spMkLst>
+        </pc:spChg>
+        <pc:spChg chg="mod">
+          <ac:chgData name="nandireddy srikanthreddy" userId="66c2984d47eaaa03" providerId="LiveId" clId="{F6FC440E-21BE-4095-8ADA-9D4B84350EC4}" dt="2023-11-11T06:48:47.105" v="310" actId="1076"/>
+          <ac:spMkLst>
+            <pc:docMk/>
+            <pc:sldMk cId="0" sldId="375"/>
+            <ac:spMk id="83" creationId="{00000000-0000-0000-0000-000000000000}"/>
+          </ac:spMkLst>
+        </pc:spChg>
+      </pc:sldChg>
       <pc:sldChg chg="addSp modSp mod">
         <pc:chgData name="nandireddy srikanthreddy" userId="66c2984d47eaaa03" providerId="LiveId" clId="{F6FC440E-21BE-4095-8ADA-9D4B84350EC4}" dt="2023-10-17T06:31:10.717" v="288" actId="20577"/>
         <pc:sldMkLst>
@@ -218,13 +287,13 @@
         </pc:spChg>
       </pc:sldChg>
       <pc:sldChg chg="addSp modSp mod">
-        <pc:chgData name="nandireddy srikanthreddy" userId="66c2984d47eaaa03" providerId="LiveId" clId="{F6FC440E-21BE-4095-8ADA-9D4B84350EC4}" dt="2023-10-17T06:18:33.643" v="64" actId="1076"/>
+        <pc:chgData name="nandireddy srikanthreddy" userId="66c2984d47eaaa03" providerId="LiveId" clId="{F6FC440E-21BE-4095-8ADA-9D4B84350EC4}" dt="2023-11-11T06:46:13.979" v="301" actId="20577"/>
         <pc:sldMkLst>
           <pc:docMk/>
           <pc:sldMk cId="0" sldId="387"/>
         </pc:sldMkLst>
         <pc:spChg chg="add mod">
-          <ac:chgData name="nandireddy srikanthreddy" userId="66c2984d47eaaa03" providerId="LiveId" clId="{F6FC440E-21BE-4095-8ADA-9D4B84350EC4}" dt="2023-10-17T06:18:33.643" v="64" actId="1076"/>
+          <ac:chgData name="nandireddy srikanthreddy" userId="66c2984d47eaaa03" providerId="LiveId" clId="{F6FC440E-21BE-4095-8ADA-9D4B84350EC4}" dt="2023-11-11T06:46:13.979" v="301" actId="20577"/>
           <ac:spMkLst>
             <pc:docMk/>
             <pc:sldMk cId="0" sldId="387"/>
@@ -245,6 +314,75 @@
             <pc:docMk/>
             <pc:sldMk cId="0" sldId="387"/>
             <ac:spMk id="8" creationId="{00000000-0000-0000-0000-000000000000}"/>
+          </ac:spMkLst>
+        </pc:spChg>
+      </pc:sldChg>
+      <pc:sldChg chg="modSp mod">
+        <pc:chgData name="nandireddy srikanthreddy" userId="66c2984d47eaaa03" providerId="LiveId" clId="{F6FC440E-21BE-4095-8ADA-9D4B84350EC4}" dt="2023-11-11T06:48:30.894" v="308" actId="1076"/>
+        <pc:sldMkLst>
+          <pc:docMk/>
+          <pc:sldMk cId="0" sldId="396"/>
+        </pc:sldMkLst>
+        <pc:spChg chg="mod">
+          <ac:chgData name="nandireddy srikanthreddy" userId="66c2984d47eaaa03" providerId="LiveId" clId="{F6FC440E-21BE-4095-8ADA-9D4B84350EC4}" dt="2023-11-11T06:48:11.642" v="305" actId="1076"/>
+          <ac:spMkLst>
+            <pc:docMk/>
+            <pc:sldMk cId="0" sldId="396"/>
+            <ac:spMk id="82" creationId="{00000000-0000-0000-0000-000000000000}"/>
+          </ac:spMkLst>
+        </pc:spChg>
+        <pc:spChg chg="mod">
+          <ac:chgData name="nandireddy srikanthreddy" userId="66c2984d47eaaa03" providerId="LiveId" clId="{F6FC440E-21BE-4095-8ADA-9D4B84350EC4}" dt="2023-11-11T06:48:30.894" v="308" actId="1076"/>
+          <ac:spMkLst>
+            <pc:docMk/>
+            <pc:sldMk cId="0" sldId="396"/>
+            <ac:spMk id="83" creationId="{00000000-0000-0000-0000-000000000000}"/>
+          </ac:spMkLst>
+        </pc:spChg>
+      </pc:sldChg>
+      <pc:sldChg chg="modSp mod">
+        <pc:chgData name="nandireddy srikanthreddy" userId="66c2984d47eaaa03" providerId="LiveId" clId="{F6FC440E-21BE-4095-8ADA-9D4B84350EC4}" dt="2023-11-11T06:50:14.662" v="320" actId="1076"/>
+        <pc:sldMkLst>
+          <pc:docMk/>
+          <pc:sldMk cId="0" sldId="399"/>
+        </pc:sldMkLst>
+        <pc:spChg chg="mod">
+          <ac:chgData name="nandireddy srikanthreddy" userId="66c2984d47eaaa03" providerId="LiveId" clId="{F6FC440E-21BE-4095-8ADA-9D4B84350EC4}" dt="2023-11-11T06:50:05.313" v="319" actId="1076"/>
+          <ac:spMkLst>
+            <pc:docMk/>
+            <pc:sldMk cId="0" sldId="399"/>
+            <ac:spMk id="82" creationId="{00000000-0000-0000-0000-000000000000}"/>
+          </ac:spMkLst>
+        </pc:spChg>
+        <pc:spChg chg="mod">
+          <ac:chgData name="nandireddy srikanthreddy" userId="66c2984d47eaaa03" providerId="LiveId" clId="{F6FC440E-21BE-4095-8ADA-9D4B84350EC4}" dt="2023-11-11T06:50:14.662" v="320" actId="1076"/>
+          <ac:spMkLst>
+            <pc:docMk/>
+            <pc:sldMk cId="0" sldId="399"/>
+            <ac:spMk id="83" creationId="{00000000-0000-0000-0000-000000000000}"/>
+          </ac:spMkLst>
+        </pc:spChg>
+      </pc:sldChg>
+      <pc:sldChg chg="modSp mod">
+        <pc:chgData name="nandireddy srikanthreddy" userId="66c2984d47eaaa03" providerId="LiveId" clId="{F6FC440E-21BE-4095-8ADA-9D4B84350EC4}" dt="2023-11-11T06:51:01.630" v="324" actId="1035"/>
+        <pc:sldMkLst>
+          <pc:docMk/>
+          <pc:sldMk cId="4277705169" sldId="429"/>
+        </pc:sldMkLst>
+        <pc:spChg chg="mod">
+          <ac:chgData name="nandireddy srikanthreddy" userId="66c2984d47eaaa03" providerId="LiveId" clId="{F6FC440E-21BE-4095-8ADA-9D4B84350EC4}" dt="2023-11-11T06:51:01.630" v="324" actId="1035"/>
+          <ac:spMkLst>
+            <pc:docMk/>
+            <pc:sldMk cId="4277705169" sldId="429"/>
+            <ac:spMk id="82" creationId="{00000000-0000-0000-0000-000000000000}"/>
+          </ac:spMkLst>
+        </pc:spChg>
+        <pc:spChg chg="mod">
+          <ac:chgData name="nandireddy srikanthreddy" userId="66c2984d47eaaa03" providerId="LiveId" clId="{F6FC440E-21BE-4095-8ADA-9D4B84350EC4}" dt="2023-11-11T06:50:49.469" v="321" actId="1076"/>
+          <ac:spMkLst>
+            <pc:docMk/>
+            <pc:sldMk cId="4277705169" sldId="429"/>
+            <ac:spMk id="83" creationId="{00000000-0000-0000-0000-000000000000}"/>
           </ac:spMkLst>
         </pc:spChg>
       </pc:sldChg>
@@ -3464,7 +3602,7 @@
         </p:nvSpPr>
         <p:spPr>
           <a:xfrm>
-            <a:off x="533520" y="4267080"/>
+            <a:off x="533700" y="3131280"/>
             <a:ext cx="8076600" cy="75600"/>
           </a:xfrm>
           <a:prstGeom prst="rect">
@@ -3496,7 +3634,7 @@
         </p:nvSpPr>
         <p:spPr>
           <a:xfrm>
-            <a:off x="457200" y="3581400"/>
+            <a:off x="-228600" y="2446560"/>
             <a:ext cx="8152560" cy="760320"/>
           </a:xfrm>
           <a:prstGeom prst="rect">
@@ -4084,7 +4222,7 @@
         </p:nvSpPr>
         <p:spPr>
           <a:xfrm>
-            <a:off x="533520" y="4267080"/>
+            <a:off x="571500" y="3429000"/>
             <a:ext cx="8076600" cy="75600"/>
           </a:xfrm>
           <a:prstGeom prst="rect">
@@ -4116,7 +4254,7 @@
         </p:nvSpPr>
         <p:spPr>
           <a:xfrm>
-            <a:off x="457200" y="3581400"/>
+            <a:off x="495540" y="2895600"/>
             <a:ext cx="8152560" cy="760320"/>
           </a:xfrm>
           <a:prstGeom prst="rect">
@@ -5954,7 +6092,7 @@
         <p:spPr>
           <a:xfrm>
             <a:off x="457200" y="732803"/>
-            <a:ext cx="7924800" cy="6463308"/>
+            <a:ext cx="7924800" cy="4801314"/>
           </a:xfrm>
           <a:prstGeom prst="rect">
             <a:avLst/>
@@ -5982,28 +6120,6 @@
               </a:rPr>
               <a:t>The Placement Management System for Campus Recruitment manages placements with maintaining student information and placement cell related information, but it does not maintain students resumes and certifications they are done.</a:t>
             </a:r>
-          </a:p>
-          <a:p>
-            <a:pPr marL="342900" lvl="0" indent="-342900" algn="just">
-              <a:lnSpc>
-                <a:spcPct val="150000"/>
-              </a:lnSpc>
-              <a:buFont typeface="+mj-lt"/>
-              <a:buAutoNum type="arabicPeriod"/>
-            </a:pPr>
-            <a:r>
-              <a:rPr lang="en-US" sz="1800" dirty="0">
-                <a:effectLst/>
-                <a:latin typeface="Times New Roman" panose="02020603050405020304" pitchFamily="18" charset="0"/>
-                <a:ea typeface="Times New Roman" panose="02020603050405020304" pitchFamily="18" charset="0"/>
-              </a:rPr>
-              <a:t>Automation is key, featuring modules like Resume Generation and Aptitude tests. Future plans include direct communication with employers, E-interviews for high-scoring candidates, and offer letter issuance through the website, alongside alumni involvement in placement support.</a:t>
-            </a:r>
-            <a:endParaRPr lang="en-IN" sz="1800" dirty="0">
-              <a:effectLst/>
-              <a:latin typeface="Times New Roman" panose="02020603050405020304" pitchFamily="18" charset="0"/>
-              <a:ea typeface="Times New Roman" panose="02020603050405020304" pitchFamily="18" charset="0"/>
-            </a:endParaRPr>
           </a:p>
           <a:p>
             <a:pPr marL="342900" lvl="0" indent="-342900" algn="just">
@@ -7067,7 +7183,7 @@
         </p:nvSpPr>
         <p:spPr>
           <a:xfrm>
-            <a:off x="533520" y="4267080"/>
+            <a:off x="586426" y="3223440"/>
             <a:ext cx="8076600" cy="75600"/>
           </a:xfrm>
           <a:prstGeom prst="rect">
@@ -7099,7 +7215,7 @@
         </p:nvSpPr>
         <p:spPr>
           <a:xfrm>
-            <a:off x="457200" y="3574080"/>
+            <a:off x="568358" y="2538720"/>
             <a:ext cx="8152560" cy="760320"/>
           </a:xfrm>
           <a:prstGeom prst="rect">
@@ -7124,7 +7240,7 @@
               </a:rPr>
               <a:t>Abstract </a:t>
             </a:r>
-            <a:endParaRPr>
+            <a:endParaRPr dirty="0">
               <a:latin typeface="Arial Black" pitchFamily="34" charset="0"/>
             </a:endParaRPr>
           </a:p>
@@ -7362,7 +7478,7 @@
         </p:nvSpPr>
         <p:spPr>
           <a:xfrm>
-            <a:off x="228600" y="4267200"/>
+            <a:off x="304800" y="3200400"/>
             <a:ext cx="8381520" cy="75480"/>
           </a:xfrm>
           <a:prstGeom prst="rect">
@@ -7394,7 +7510,7 @@
         </p:nvSpPr>
         <p:spPr>
           <a:xfrm>
-            <a:off x="-914400" y="3429000"/>
+            <a:off x="-876300" y="2568019"/>
             <a:ext cx="10896600" cy="760320"/>
           </a:xfrm>
           <a:prstGeom prst="rect">
@@ -7428,7 +7544,7 @@
               </a:rPr>
               <a:t>NTRODUCTION</a:t>
             </a:r>
-            <a:endParaRPr/>
+            <a:endParaRPr dirty="0"/>
           </a:p>
         </p:txBody>
       </p:sp>
@@ -7654,7 +7770,7 @@
         </p:nvSpPr>
         <p:spPr>
           <a:xfrm>
-            <a:off x="533520" y="4267080"/>
+            <a:off x="533700" y="3429000"/>
             <a:ext cx="8076600" cy="75600"/>
           </a:xfrm>
           <a:prstGeom prst="rect">
@@ -7686,7 +7802,7 @@
         </p:nvSpPr>
         <p:spPr>
           <a:xfrm>
-            <a:off x="-228600" y="3582360"/>
+            <a:off x="-381000" y="2668680"/>
             <a:ext cx="8152560" cy="760320"/>
           </a:xfrm>
           <a:prstGeom prst="rect">
@@ -7941,7 +8057,7 @@
         </p:nvSpPr>
         <p:spPr>
           <a:xfrm>
-            <a:off x="533520" y="4267080"/>
+            <a:off x="533700" y="3281805"/>
             <a:ext cx="8076600" cy="75600"/>
           </a:xfrm>
           <a:prstGeom prst="rect">
@@ -7973,7 +8089,7 @@
         </p:nvSpPr>
         <p:spPr>
           <a:xfrm>
-            <a:off x="457200" y="3574080"/>
+            <a:off x="555696" y="2595421"/>
             <a:ext cx="8152560" cy="760320"/>
           </a:xfrm>
           <a:prstGeom prst="rect">

--- a/MajorProjectPPTPhase1.pptx
+++ b/MajorProjectPPTPhase1.pptx
@@ -152,10 +152,25 @@
   <pc:docChgLst>
     <pc:chgData name="nandireddy srikanthreddy" userId="66c2984d47eaaa03" providerId="LiveId" clId="{F6FC440E-21BE-4095-8ADA-9D4B84350EC4}"/>
     <pc:docChg chg="undo custSel addSld modSld">
-      <pc:chgData name="nandireddy srikanthreddy" userId="66c2984d47eaaa03" providerId="LiveId" clId="{F6FC440E-21BE-4095-8ADA-9D4B84350EC4}" dt="2023-11-11T06:51:01.630" v="324" actId="1035"/>
+      <pc:chgData name="nandireddy srikanthreddy" userId="66c2984d47eaaa03" providerId="LiveId" clId="{F6FC440E-21BE-4095-8ADA-9D4B84350EC4}" dt="2023-11-14T17:23:07.976" v="404" actId="1076"/>
       <pc:docMkLst>
         <pc:docMk/>
       </pc:docMkLst>
+      <pc:sldChg chg="modSp mod">
+        <pc:chgData name="nandireddy srikanthreddy" userId="66c2984d47eaaa03" providerId="LiveId" clId="{F6FC440E-21BE-4095-8ADA-9D4B84350EC4}" dt="2023-11-14T17:23:07.976" v="404" actId="1076"/>
+        <pc:sldMkLst>
+          <pc:docMk/>
+          <pc:sldMk cId="0" sldId="256"/>
+        </pc:sldMkLst>
+        <pc:spChg chg="mod">
+          <ac:chgData name="nandireddy srikanthreddy" userId="66c2984d47eaaa03" providerId="LiveId" clId="{F6FC440E-21BE-4095-8ADA-9D4B84350EC4}" dt="2023-11-14T17:23:07.976" v="404" actId="1076"/>
+          <ac:spMkLst>
+            <pc:docMk/>
+            <pc:sldMk cId="0" sldId="256"/>
+            <ac:spMk id="2" creationId="{00000000-0000-0000-0000-000000000000}"/>
+          </ac:spMkLst>
+        </pc:spChg>
+      </pc:sldChg>
       <pc:sldChg chg="modSp mod">
         <pc:chgData name="nandireddy srikanthreddy" userId="66c2984d47eaaa03" providerId="LiveId" clId="{F6FC440E-21BE-4095-8ADA-9D4B84350EC4}" dt="2023-11-11T06:49:29.626" v="315" actId="1076"/>
         <pc:sldMkLst>
@@ -2886,8 +2901,8 @@
         </p:nvSpPr>
         <p:spPr>
           <a:xfrm>
-            <a:off x="0" y="1447800"/>
-            <a:ext cx="9144000" cy="707886"/>
+            <a:off x="0" y="1577560"/>
+            <a:ext cx="9144000" cy="584775"/>
           </a:xfrm>
           <a:prstGeom prst="rect">
             <a:avLst/>
@@ -2902,8 +2917,19 @@
           <a:p>
             <a:pPr algn="ctr"/>
             <a:r>
-              <a:rPr lang="en-US" sz="4000" b="1" dirty="0"/>
-              <a:t>Title of the Project</a:t>
+              <a:rPr lang="en-US" sz="3200" b="1" dirty="0">
+                <a:ln w="1905"/>
+                <a:effectLst>
+                  <a:innerShdw blurRad="69850" dist="43180" dir="5400000">
+                    <a:srgbClr val="000000">
+                      <a:alpha val="65000"/>
+                    </a:srgbClr>
+                  </a:innerShdw>
+                </a:effectLst>
+                <a:latin typeface="Times New Roman" panose="02020603050405020304" pitchFamily="18" charset="0"/>
+                <a:cs typeface="Times New Roman" panose="02020603050405020304" pitchFamily="18" charset="0"/>
+              </a:rPr>
+              <a:t>MERN based Placement Management Portal</a:t>
             </a:r>
             <a:endParaRPr lang="en-US" sz="4000" b="1" dirty="0">
               <a:ln w="1905"/>
@@ -2914,6 +2940,8 @@
                   </a:srgbClr>
                 </a:innerShdw>
               </a:effectLst>
+              <a:latin typeface="Times New Roman" panose="02020603050405020304" pitchFamily="18" charset="0"/>
+              <a:cs typeface="Times New Roman" panose="02020603050405020304" pitchFamily="18" charset="0"/>
             </a:endParaRPr>
           </a:p>
         </p:txBody>
